--- a/ch12/第12章 容器和泛型.pptx
+++ b/ch12/第12章 容器和泛型.pptx
@@ -9201,6 +9201,12 @@
           <a:bodyPr/>
           <a:lstStyle/>
           <a:p>
+            <a:r>
+              <a:rPr lang="en-US" altLang="zh-CN" smtClean="0"/>
+              <a:t>http://www.cnblogs.com/end/archive/2012/10/25/2738493.html</a:t>
+            </a:r>
+          </a:p>
+          <a:p>
             <a:endParaRPr lang="zh-CN" altLang="en-US" smtClean="0"/>
           </a:p>
         </p:txBody>
@@ -9347,7 +9353,7 @@
                 </a:solidFill>
               </a:rPr>
               <a:pPr eaLnBrk="1" hangingPunct="1"/>
-              <a:t>42</a:t>
+              <a:t>34</a:t>
             </a:fld>
             <a:endParaRPr lang="pt-PT" altLang="zh-CN" sz="1200" smtClean="0">
               <a:solidFill>
@@ -9360,7 +9366,7 @@
     </p:spTree>
     <p:extLst>
       <p:ext uri="{BB962C8B-B14F-4D97-AF65-F5344CB8AC3E}">
-        <p14:creationId xmlns:p14="http://schemas.microsoft.com/office/powerpoint/2010/main" val="875214219"/>
+        <p14:creationId xmlns:p14="http://schemas.microsoft.com/office/powerpoint/2010/main" val="3521137747"/>
       </p:ext>
     </p:extLst>
   </p:cSld>
@@ -9588,6 +9594,593 @@
                 </a:solidFill>
               </a:rPr>
               <a:pPr eaLnBrk="1" hangingPunct="1"/>
+              <a:t>35</a:t>
+            </a:fld>
+            <a:endParaRPr lang="pt-PT" altLang="zh-CN" sz="1200" smtClean="0">
+              <a:solidFill>
+                <a:schemeClr val="tx1"/>
+              </a:solidFill>
+            </a:endParaRPr>
+          </a:p>
+        </p:txBody>
+      </p:sp>
+    </p:spTree>
+    <p:extLst>
+      <p:ext uri="{BB962C8B-B14F-4D97-AF65-F5344CB8AC3E}">
+        <p14:creationId xmlns:p14="http://schemas.microsoft.com/office/powerpoint/2010/main" val="2811967491"/>
+      </p:ext>
+    </p:extLst>
+  </p:cSld>
+  <p:clrMapOvr>
+    <a:masterClrMapping/>
+  </p:clrMapOvr>
+</p:notes>
+</file>
+
+<file path=ppt/notesSlides/notesSlide12.xml><?xml version="1.0" encoding="utf-8"?>
+<p:notes xmlns:a="http://schemas.openxmlformats.org/drawingml/2006/main" xmlns:r="http://schemas.openxmlformats.org/officeDocument/2006/relationships" xmlns:p="http://schemas.openxmlformats.org/presentationml/2006/main">
+  <p:cSld>
+    <p:spTree>
+      <p:nvGrpSpPr>
+        <p:cNvPr id="1" name=""/>
+        <p:cNvGrpSpPr/>
+        <p:nvPr/>
+      </p:nvGrpSpPr>
+      <p:grpSpPr>
+        <a:xfrm>
+          <a:off x="0" y="0"/>
+          <a:ext cx="0" cy="0"/>
+          <a:chOff x="0" y="0"/>
+          <a:chExt cx="0" cy="0"/>
+        </a:xfrm>
+      </p:grpSpPr>
+      <p:sp>
+        <p:nvSpPr>
+          <p:cNvPr id="2" name="幻灯片图像占位符 1"/>
+          <p:cNvSpPr>
+            <a:spLocks noGrp="1" noRot="1" noChangeAspect="1"/>
+          </p:cNvSpPr>
+          <p:nvPr>
+            <p:ph type="sldImg"/>
+          </p:nvPr>
+        </p:nvSpPr>
+        <p:spPr/>
+      </p:sp>
+      <p:sp>
+        <p:nvSpPr>
+          <p:cNvPr id="3" name="备注占位符 2"/>
+          <p:cNvSpPr>
+            <a:spLocks noGrp="1"/>
+          </p:cNvSpPr>
+          <p:nvPr>
+            <p:ph type="body" idx="1"/>
+          </p:nvPr>
+        </p:nvSpPr>
+        <p:spPr/>
+        <p:txBody>
+          <a:bodyPr/>
+          <a:lstStyle/>
+          <a:p>
+            <a:r>
+              <a:rPr lang="zh-CN" altLang="en-US" dirty="0" smtClean="0"/>
+              <a:t>不可以在使用迭代器进行遍历时添加元素，但可以删除或修改已有</a:t>
+            </a:r>
+            <a:r>
+              <a:rPr lang="zh-CN" altLang="en-US" dirty="0" smtClean="0"/>
+              <a:t>元素</a:t>
+            </a:r>
+            <a:endParaRPr lang="en-US" altLang="zh-CN" dirty="0" smtClean="0"/>
+          </a:p>
+          <a:p>
+            <a:r>
+              <a:rPr lang="en-US" altLang="zh-CN" smtClean="0"/>
+              <a:t>http://www.cnblogs.com/frankliiu-java/articles/1759460.html</a:t>
+            </a:r>
+            <a:endParaRPr lang="zh-CN" altLang="en-US" dirty="0"/>
+          </a:p>
+        </p:txBody>
+      </p:sp>
+      <p:sp>
+        <p:nvSpPr>
+          <p:cNvPr id="4" name="灯片编号占位符 3"/>
+          <p:cNvSpPr>
+            <a:spLocks noGrp="1"/>
+          </p:cNvSpPr>
+          <p:nvPr>
+            <p:ph type="sldNum" sz="quarter" idx="10"/>
+          </p:nvPr>
+        </p:nvSpPr>
+        <p:spPr/>
+        <p:txBody>
+          <a:bodyPr/>
+          <a:lstStyle/>
+          <a:p>
+            <a:pPr>
+              <a:defRPr/>
+            </a:pPr>
+            <a:fld id="{A0721F3A-D631-43CB-AA2E-A2AC279AD1E4}" type="slidenum">
+              <a:rPr lang="pt-PT" altLang="zh-CN" smtClean="0"/>
+              <a:pPr>
+                <a:defRPr/>
+              </a:pPr>
+              <a:t>40</a:t>
+            </a:fld>
+            <a:endParaRPr lang="pt-PT" altLang="zh-CN"/>
+          </a:p>
+        </p:txBody>
+      </p:sp>
+    </p:spTree>
+    <p:extLst>
+      <p:ext uri="{BB962C8B-B14F-4D97-AF65-F5344CB8AC3E}">
+        <p14:creationId xmlns:p14="http://schemas.microsoft.com/office/powerpoint/2010/main" val="1512007173"/>
+      </p:ext>
+    </p:extLst>
+  </p:cSld>
+  <p:clrMapOvr>
+    <a:masterClrMapping/>
+  </p:clrMapOvr>
+</p:notes>
+</file>
+
+<file path=ppt/notesSlides/notesSlide13.xml><?xml version="1.0" encoding="utf-8"?>
+<p:notes xmlns:a="http://schemas.openxmlformats.org/drawingml/2006/main" xmlns:r="http://schemas.openxmlformats.org/officeDocument/2006/relationships" xmlns:p="http://schemas.openxmlformats.org/presentationml/2006/main">
+  <p:cSld>
+    <p:spTree>
+      <p:nvGrpSpPr>
+        <p:cNvPr id="1" name=""/>
+        <p:cNvGrpSpPr/>
+        <p:nvPr/>
+      </p:nvGrpSpPr>
+      <p:grpSpPr>
+        <a:xfrm>
+          <a:off x="0" y="0"/>
+          <a:ext cx="0" cy="0"/>
+          <a:chOff x="0" y="0"/>
+          <a:chExt cx="0" cy="0"/>
+        </a:xfrm>
+      </p:grpSpPr>
+      <p:sp>
+        <p:nvSpPr>
+          <p:cNvPr id="23554" name="幻灯片图像占位符 1"/>
+          <p:cNvSpPr>
+            <a:spLocks noGrp="1" noRot="1" noChangeAspect="1" noTextEdit="1"/>
+          </p:cNvSpPr>
+          <p:nvPr>
+            <p:ph type="sldImg"/>
+          </p:nvPr>
+        </p:nvSpPr>
+        <p:spPr>
+          <a:xfrm>
+            <a:off x="92075" y="744538"/>
+            <a:ext cx="6610350" cy="3719512"/>
+          </a:xfrm>
+          <a:ln/>
+        </p:spPr>
+      </p:sp>
+      <p:sp>
+        <p:nvSpPr>
+          <p:cNvPr id="23555" name="备注占位符 2"/>
+          <p:cNvSpPr>
+            <a:spLocks noGrp="1"/>
+          </p:cNvSpPr>
+          <p:nvPr>
+            <p:ph type="body" idx="1"/>
+          </p:nvPr>
+        </p:nvSpPr>
+        <p:spPr>
+          <a:noFill/>
+          <a:ln/>
+          <a:extLst>
+            <a:ext uri="{909E8E84-426E-40DD-AFC4-6F175D3DCCD1}">
+              <a14:hiddenFill xmlns:a14="http://schemas.microsoft.com/office/drawing/2010/main">
+                <a:solidFill>
+                  <a:srgbClr val="FFFFFF"/>
+                </a:solidFill>
+              </a14:hiddenFill>
+            </a:ext>
+            <a:ext uri="{91240B29-F687-4F45-9708-019B960494DF}">
+              <a14:hiddenLine xmlns:a14="http://schemas.microsoft.com/office/drawing/2010/main" w="9525">
+                <a:solidFill>
+                  <a:srgbClr val="000000"/>
+                </a:solidFill>
+                <a:miter lim="800000"/>
+                <a:headEnd/>
+                <a:tailEnd/>
+              </a14:hiddenLine>
+            </a:ext>
+          </a:extLst>
+        </p:spPr>
+        <p:txBody>
+          <a:bodyPr/>
+          <a:lstStyle/>
+          <a:p>
+            <a:endParaRPr lang="zh-CN" altLang="en-US" smtClean="0"/>
+          </a:p>
+        </p:txBody>
+      </p:sp>
+      <p:sp>
+        <p:nvSpPr>
+          <p:cNvPr id="23556" name="灯片编号占位符 3"/>
+          <p:cNvSpPr>
+            <a:spLocks noGrp="1"/>
+          </p:cNvSpPr>
+          <p:nvPr>
+            <p:ph type="sldNum" sz="quarter" idx="5"/>
+          </p:nvPr>
+        </p:nvSpPr>
+        <p:spPr>
+          <a:noFill/>
+          <a:ln/>
+          <a:extLst>
+            <a:ext uri="{909E8E84-426E-40DD-AFC4-6F175D3DCCD1}">
+              <a14:hiddenFill xmlns:a14="http://schemas.microsoft.com/office/drawing/2010/main">
+                <a:solidFill>
+                  <a:srgbClr val="FFFFFF"/>
+                </a:solidFill>
+              </a14:hiddenFill>
+            </a:ext>
+            <a:ext uri="{91240B29-F687-4F45-9708-019B960494DF}">
+              <a14:hiddenLine xmlns:a14="http://schemas.microsoft.com/office/drawing/2010/main" w="9525">
+                <a:solidFill>
+                  <a:srgbClr val="000000"/>
+                </a:solidFill>
+                <a:miter lim="800000"/>
+                <a:headEnd/>
+                <a:tailEnd/>
+              </a14:hiddenLine>
+            </a:ext>
+          </a:extLst>
+        </p:spPr>
+        <p:txBody>
+          <a:bodyPr/>
+          <a:lstStyle>
+            <a:lvl1pPr eaLnBrk="0" hangingPunct="0">
+              <a:defRPr sz="2000">
+                <a:solidFill>
+                  <a:srgbClr val="A50021"/>
+                </a:solidFill>
+                <a:latin typeface="Arial" charset="0"/>
+              </a:defRPr>
+            </a:lvl1pPr>
+            <a:lvl2pPr marL="742950" indent="-285750" eaLnBrk="0" hangingPunct="0">
+              <a:defRPr sz="2000">
+                <a:solidFill>
+                  <a:srgbClr val="A50021"/>
+                </a:solidFill>
+                <a:latin typeface="Arial" charset="0"/>
+              </a:defRPr>
+            </a:lvl2pPr>
+            <a:lvl3pPr marL="1143000" indent="-228600" eaLnBrk="0" hangingPunct="0">
+              <a:defRPr sz="2000">
+                <a:solidFill>
+                  <a:srgbClr val="A50021"/>
+                </a:solidFill>
+                <a:latin typeface="Arial" charset="0"/>
+              </a:defRPr>
+            </a:lvl3pPr>
+            <a:lvl4pPr marL="1600200" indent="-228600" eaLnBrk="0" hangingPunct="0">
+              <a:defRPr sz="2000">
+                <a:solidFill>
+                  <a:srgbClr val="A50021"/>
+                </a:solidFill>
+                <a:latin typeface="Arial" charset="0"/>
+              </a:defRPr>
+            </a:lvl4pPr>
+            <a:lvl5pPr marL="2057400" indent="-228600" eaLnBrk="0" hangingPunct="0">
+              <a:defRPr sz="2000">
+                <a:solidFill>
+                  <a:srgbClr val="A50021"/>
+                </a:solidFill>
+                <a:latin typeface="Arial" charset="0"/>
+              </a:defRPr>
+            </a:lvl5pPr>
+            <a:lvl6pPr marL="2514600" indent="-228600" eaLnBrk="0" fontAlgn="base" hangingPunct="0">
+              <a:spcBef>
+                <a:spcPct val="0"/>
+              </a:spcBef>
+              <a:spcAft>
+                <a:spcPct val="0"/>
+              </a:spcAft>
+              <a:defRPr sz="2000">
+                <a:solidFill>
+                  <a:srgbClr val="A50021"/>
+                </a:solidFill>
+                <a:latin typeface="Arial" charset="0"/>
+              </a:defRPr>
+            </a:lvl6pPr>
+            <a:lvl7pPr marL="2971800" indent="-228600" eaLnBrk="0" fontAlgn="base" hangingPunct="0">
+              <a:spcBef>
+                <a:spcPct val="0"/>
+              </a:spcBef>
+              <a:spcAft>
+                <a:spcPct val="0"/>
+              </a:spcAft>
+              <a:defRPr sz="2000">
+                <a:solidFill>
+                  <a:srgbClr val="A50021"/>
+                </a:solidFill>
+                <a:latin typeface="Arial" charset="0"/>
+              </a:defRPr>
+            </a:lvl7pPr>
+            <a:lvl8pPr marL="3429000" indent="-228600" eaLnBrk="0" fontAlgn="base" hangingPunct="0">
+              <a:spcBef>
+                <a:spcPct val="0"/>
+              </a:spcBef>
+              <a:spcAft>
+                <a:spcPct val="0"/>
+              </a:spcAft>
+              <a:defRPr sz="2000">
+                <a:solidFill>
+                  <a:srgbClr val="A50021"/>
+                </a:solidFill>
+                <a:latin typeface="Arial" charset="0"/>
+              </a:defRPr>
+            </a:lvl8pPr>
+            <a:lvl9pPr marL="3886200" indent="-228600" eaLnBrk="0" fontAlgn="base" hangingPunct="0">
+              <a:spcBef>
+                <a:spcPct val="0"/>
+              </a:spcBef>
+              <a:spcAft>
+                <a:spcPct val="0"/>
+              </a:spcAft>
+              <a:defRPr sz="2000">
+                <a:solidFill>
+                  <a:srgbClr val="A50021"/>
+                </a:solidFill>
+                <a:latin typeface="Arial" charset="0"/>
+              </a:defRPr>
+            </a:lvl9pPr>
+          </a:lstStyle>
+          <a:p>
+            <a:pPr eaLnBrk="1" hangingPunct="1"/>
+            <a:fld id="{05D8A813-7F41-46AB-9DB7-A683BBF0EB66}" type="slidenum">
+              <a:rPr lang="pt-PT" altLang="zh-CN" sz="1200" smtClean="0">
+                <a:solidFill>
+                  <a:schemeClr val="tx1"/>
+                </a:solidFill>
+              </a:rPr>
+              <a:pPr eaLnBrk="1" hangingPunct="1"/>
+              <a:t>42</a:t>
+            </a:fld>
+            <a:endParaRPr lang="pt-PT" altLang="zh-CN" sz="1200" smtClean="0">
+              <a:solidFill>
+                <a:schemeClr val="tx1"/>
+              </a:solidFill>
+            </a:endParaRPr>
+          </a:p>
+        </p:txBody>
+      </p:sp>
+    </p:spTree>
+    <p:extLst>
+      <p:ext uri="{BB962C8B-B14F-4D97-AF65-F5344CB8AC3E}">
+        <p14:creationId xmlns:p14="http://schemas.microsoft.com/office/powerpoint/2010/main" val="875214219"/>
+      </p:ext>
+    </p:extLst>
+  </p:cSld>
+  <p:clrMapOvr>
+    <a:masterClrMapping/>
+  </p:clrMapOvr>
+</p:notes>
+</file>
+
+<file path=ppt/notesSlides/notesSlide14.xml><?xml version="1.0" encoding="utf-8"?>
+<p:notes xmlns:a="http://schemas.openxmlformats.org/drawingml/2006/main" xmlns:r="http://schemas.openxmlformats.org/officeDocument/2006/relationships" xmlns:p="http://schemas.openxmlformats.org/presentationml/2006/main">
+  <p:cSld>
+    <p:spTree>
+      <p:nvGrpSpPr>
+        <p:cNvPr id="1" name=""/>
+        <p:cNvGrpSpPr/>
+        <p:nvPr/>
+      </p:nvGrpSpPr>
+      <p:grpSpPr>
+        <a:xfrm>
+          <a:off x="0" y="0"/>
+          <a:ext cx="0" cy="0"/>
+          <a:chOff x="0" y="0"/>
+          <a:chExt cx="0" cy="0"/>
+        </a:xfrm>
+      </p:grpSpPr>
+      <p:sp>
+        <p:nvSpPr>
+          <p:cNvPr id="23554" name="幻灯片图像占位符 1"/>
+          <p:cNvSpPr>
+            <a:spLocks noGrp="1" noRot="1" noChangeAspect="1" noTextEdit="1"/>
+          </p:cNvSpPr>
+          <p:nvPr>
+            <p:ph type="sldImg"/>
+          </p:nvPr>
+        </p:nvSpPr>
+        <p:spPr>
+          <a:xfrm>
+            <a:off x="92075" y="744538"/>
+            <a:ext cx="6610350" cy="3719512"/>
+          </a:xfrm>
+          <a:ln/>
+        </p:spPr>
+      </p:sp>
+      <p:sp>
+        <p:nvSpPr>
+          <p:cNvPr id="23555" name="备注占位符 2"/>
+          <p:cNvSpPr>
+            <a:spLocks noGrp="1"/>
+          </p:cNvSpPr>
+          <p:nvPr>
+            <p:ph type="body" idx="1"/>
+          </p:nvPr>
+        </p:nvSpPr>
+        <p:spPr>
+          <a:noFill/>
+          <a:ln/>
+          <a:extLst>
+            <a:ext uri="{909E8E84-426E-40DD-AFC4-6F175D3DCCD1}">
+              <a14:hiddenFill xmlns:a14="http://schemas.microsoft.com/office/drawing/2010/main">
+                <a:solidFill>
+                  <a:srgbClr val="FFFFFF"/>
+                </a:solidFill>
+              </a14:hiddenFill>
+            </a:ext>
+            <a:ext uri="{91240B29-F687-4F45-9708-019B960494DF}">
+              <a14:hiddenLine xmlns:a14="http://schemas.microsoft.com/office/drawing/2010/main" w="9525">
+                <a:solidFill>
+                  <a:srgbClr val="000000"/>
+                </a:solidFill>
+                <a:miter lim="800000"/>
+                <a:headEnd/>
+                <a:tailEnd/>
+              </a14:hiddenLine>
+            </a:ext>
+          </a:extLst>
+        </p:spPr>
+        <p:txBody>
+          <a:bodyPr/>
+          <a:lstStyle/>
+          <a:p>
+            <a:endParaRPr lang="zh-CN" altLang="en-US" smtClean="0"/>
+          </a:p>
+        </p:txBody>
+      </p:sp>
+      <p:sp>
+        <p:nvSpPr>
+          <p:cNvPr id="23556" name="灯片编号占位符 3"/>
+          <p:cNvSpPr>
+            <a:spLocks noGrp="1"/>
+          </p:cNvSpPr>
+          <p:nvPr>
+            <p:ph type="sldNum" sz="quarter" idx="5"/>
+          </p:nvPr>
+        </p:nvSpPr>
+        <p:spPr>
+          <a:noFill/>
+          <a:ln/>
+          <a:extLst>
+            <a:ext uri="{909E8E84-426E-40DD-AFC4-6F175D3DCCD1}">
+              <a14:hiddenFill xmlns:a14="http://schemas.microsoft.com/office/drawing/2010/main">
+                <a:solidFill>
+                  <a:srgbClr val="FFFFFF"/>
+                </a:solidFill>
+              </a14:hiddenFill>
+            </a:ext>
+            <a:ext uri="{91240B29-F687-4F45-9708-019B960494DF}">
+              <a14:hiddenLine xmlns:a14="http://schemas.microsoft.com/office/drawing/2010/main" w="9525">
+                <a:solidFill>
+                  <a:srgbClr val="000000"/>
+                </a:solidFill>
+                <a:miter lim="800000"/>
+                <a:headEnd/>
+                <a:tailEnd/>
+              </a14:hiddenLine>
+            </a:ext>
+          </a:extLst>
+        </p:spPr>
+        <p:txBody>
+          <a:bodyPr/>
+          <a:lstStyle>
+            <a:lvl1pPr eaLnBrk="0" hangingPunct="0">
+              <a:defRPr sz="2000">
+                <a:solidFill>
+                  <a:srgbClr val="A50021"/>
+                </a:solidFill>
+                <a:latin typeface="Arial" charset="0"/>
+              </a:defRPr>
+            </a:lvl1pPr>
+            <a:lvl2pPr marL="742950" indent="-285750" eaLnBrk="0" hangingPunct="0">
+              <a:defRPr sz="2000">
+                <a:solidFill>
+                  <a:srgbClr val="A50021"/>
+                </a:solidFill>
+                <a:latin typeface="Arial" charset="0"/>
+              </a:defRPr>
+            </a:lvl2pPr>
+            <a:lvl3pPr marL="1143000" indent="-228600" eaLnBrk="0" hangingPunct="0">
+              <a:defRPr sz="2000">
+                <a:solidFill>
+                  <a:srgbClr val="A50021"/>
+                </a:solidFill>
+                <a:latin typeface="Arial" charset="0"/>
+              </a:defRPr>
+            </a:lvl3pPr>
+            <a:lvl4pPr marL="1600200" indent="-228600" eaLnBrk="0" hangingPunct="0">
+              <a:defRPr sz="2000">
+                <a:solidFill>
+                  <a:srgbClr val="A50021"/>
+                </a:solidFill>
+                <a:latin typeface="Arial" charset="0"/>
+              </a:defRPr>
+            </a:lvl4pPr>
+            <a:lvl5pPr marL="2057400" indent="-228600" eaLnBrk="0" hangingPunct="0">
+              <a:defRPr sz="2000">
+                <a:solidFill>
+                  <a:srgbClr val="A50021"/>
+                </a:solidFill>
+                <a:latin typeface="Arial" charset="0"/>
+              </a:defRPr>
+            </a:lvl5pPr>
+            <a:lvl6pPr marL="2514600" indent="-228600" eaLnBrk="0" fontAlgn="base" hangingPunct="0">
+              <a:spcBef>
+                <a:spcPct val="0"/>
+              </a:spcBef>
+              <a:spcAft>
+                <a:spcPct val="0"/>
+              </a:spcAft>
+              <a:defRPr sz="2000">
+                <a:solidFill>
+                  <a:srgbClr val="A50021"/>
+                </a:solidFill>
+                <a:latin typeface="Arial" charset="0"/>
+              </a:defRPr>
+            </a:lvl6pPr>
+            <a:lvl7pPr marL="2971800" indent="-228600" eaLnBrk="0" fontAlgn="base" hangingPunct="0">
+              <a:spcBef>
+                <a:spcPct val="0"/>
+              </a:spcBef>
+              <a:spcAft>
+                <a:spcPct val="0"/>
+              </a:spcAft>
+              <a:defRPr sz="2000">
+                <a:solidFill>
+                  <a:srgbClr val="A50021"/>
+                </a:solidFill>
+                <a:latin typeface="Arial" charset="0"/>
+              </a:defRPr>
+            </a:lvl7pPr>
+            <a:lvl8pPr marL="3429000" indent="-228600" eaLnBrk="0" fontAlgn="base" hangingPunct="0">
+              <a:spcBef>
+                <a:spcPct val="0"/>
+              </a:spcBef>
+              <a:spcAft>
+                <a:spcPct val="0"/>
+              </a:spcAft>
+              <a:defRPr sz="2000">
+                <a:solidFill>
+                  <a:srgbClr val="A50021"/>
+                </a:solidFill>
+                <a:latin typeface="Arial" charset="0"/>
+              </a:defRPr>
+            </a:lvl8pPr>
+            <a:lvl9pPr marL="3886200" indent="-228600" eaLnBrk="0" fontAlgn="base" hangingPunct="0">
+              <a:spcBef>
+                <a:spcPct val="0"/>
+              </a:spcBef>
+              <a:spcAft>
+                <a:spcPct val="0"/>
+              </a:spcAft>
+              <a:defRPr sz="2000">
+                <a:solidFill>
+                  <a:srgbClr val="A50021"/>
+                </a:solidFill>
+                <a:latin typeface="Arial" charset="0"/>
+              </a:defRPr>
+            </a:lvl9pPr>
+          </a:lstStyle>
+          <a:p>
+            <a:pPr eaLnBrk="1" hangingPunct="1"/>
+            <a:fld id="{05D8A813-7F41-46AB-9DB7-A683BBF0EB66}" type="slidenum">
+              <a:rPr lang="pt-PT" altLang="zh-CN" sz="1200" smtClean="0">
+                <a:solidFill>
+                  <a:schemeClr val="tx1"/>
+                </a:solidFill>
+              </a:rPr>
+              <a:pPr eaLnBrk="1" hangingPunct="1"/>
               <a:t>48</a:t>
             </a:fld>
             <a:endParaRPr lang="pt-PT" altLang="zh-CN" sz="1200" smtClean="0">
@@ -9611,7 +10204,7 @@
 </p:notes>
 </file>
 
-<file path=ppt/notesSlides/notesSlide12.xml><?xml version="1.0" encoding="utf-8"?>
+<file path=ppt/notesSlides/notesSlide15.xml><?xml version="1.0" encoding="utf-8"?>
 <p:notes xmlns:a="http://schemas.openxmlformats.org/drawingml/2006/main" xmlns:r="http://schemas.openxmlformats.org/officeDocument/2006/relationships" xmlns:p="http://schemas.openxmlformats.org/presentationml/2006/main">
   <p:cSld>
     <p:spTree>
@@ -10260,12 +10853,7 @@
             <p:ph type="sldImg"/>
           </p:nvPr>
         </p:nvSpPr>
-        <p:spPr>
-          <a:xfrm>
-            <a:off x="92075" y="744538"/>
-            <a:ext cx="6610350" cy="3719512"/>
-          </a:xfrm>
-        </p:spPr>
+        <p:spPr/>
       </p:sp>
       <p:sp>
         <p:nvSpPr>
@@ -10279,44 +10867,82 @@
         </p:nvSpPr>
         <p:spPr/>
         <p:txBody>
-          <a:bodyPr>
-            <a:normAutofit/>
-          </a:bodyPr>
+          <a:bodyPr/>
           <a:lstStyle/>
           <a:p>
             <a:r>
-              <a:rPr lang="zh-CN" altLang="en-US" dirty="0" smtClean="0">
-                <a:solidFill>
-                  <a:schemeClr val="tx1"/>
-                </a:solidFill>
-                <a:hlinkClick r:id="rId3"/>
-              </a:rPr>
-              <a:t>课外阅读</a:t>
-            </a:r>
-            <a:endParaRPr lang="en-US" altLang="zh-CN" dirty="0" smtClean="0">
-              <a:solidFill>
-                <a:schemeClr val="tx1"/>
-              </a:solidFill>
-              <a:hlinkClick r:id="rId3"/>
-            </a:endParaRPr>
-          </a:p>
-          <a:p>
-            <a:r>
-              <a:rPr lang="en-US" altLang="zh-CN" dirty="0" smtClean="0">
-                <a:hlinkClick r:id="rId3"/>
-              </a:rPr>
-              <a:t>http://blog.csdn.net/tuwen/article/details/1839641</a:t>
+              <a:rPr lang="en-US" altLang="zh-CN" dirty="0" smtClean="0"/>
+              <a:t>List</a:t>
+            </a:r>
+            <a:r>
+              <a:rPr lang="zh-CN" altLang="en-US" dirty="0" smtClean="0"/>
+              <a:t>与数组之间的转换</a:t>
             </a:r>
             <a:endParaRPr lang="en-US" altLang="zh-CN" dirty="0" smtClean="0"/>
           </a:p>
           <a:p>
             <a:r>
-              <a:rPr lang="en-US" altLang="zh-CN" dirty="0" smtClean="0">
-                <a:hlinkClick r:id="rId4"/>
-              </a:rPr>
-              <a:t>http://blog.sina.com.cn/s/blog_5ce1fe770100b0ay.html</a:t>
-            </a:r>
-            <a:endParaRPr lang="en-US" altLang="zh-CN" dirty="0" smtClean="0"/>
+              <a:rPr lang="en-US" altLang="zh-CN" sz="1200" kern="1200" dirty="0" smtClean="0">
+                <a:solidFill>
+                  <a:schemeClr val="tx1"/>
+                </a:solidFill>
+                <a:latin typeface="Arial" charset="0"/>
+                <a:ea typeface="+mn-ea"/>
+                <a:cs typeface="+mn-cs"/>
+              </a:rPr>
+              <a:t>List&lt;Integer&gt; list = </a:t>
+            </a:r>
+            <a:r>
+              <a:rPr lang="en-US" altLang="zh-CN" sz="1200" b="1" kern="1200" dirty="0" smtClean="0">
+                <a:solidFill>
+                  <a:schemeClr val="tx1"/>
+                </a:solidFill>
+                <a:latin typeface="Arial" charset="0"/>
+                <a:ea typeface="+mn-ea"/>
+                <a:cs typeface="+mn-cs"/>
+              </a:rPr>
+              <a:t>new ArrayList&lt;&gt;();</a:t>
+            </a:r>
+          </a:p>
+          <a:p>
+            <a:r>
+              <a:rPr lang="en-US" altLang="zh-CN" sz="1200" kern="1200" dirty="0" smtClean="0">
+                <a:solidFill>
+                  <a:schemeClr val="tx1"/>
+                </a:solidFill>
+                <a:latin typeface="Arial" charset="0"/>
+                <a:ea typeface="+mn-ea"/>
+                <a:cs typeface="+mn-cs"/>
+              </a:rPr>
+              <a:t>Integer[] nums = (Integer[])list.toArray();</a:t>
+            </a:r>
+          </a:p>
+          <a:p>
+            <a:r>
+              <a:rPr lang="en-US" altLang="zh-CN" sz="1200" kern="1200" dirty="0" smtClean="0">
+                <a:solidFill>
+                  <a:schemeClr val="tx1"/>
+                </a:solidFill>
+                <a:latin typeface="Arial" charset="0"/>
+                <a:ea typeface="+mn-ea"/>
+                <a:cs typeface="+mn-cs"/>
+              </a:rPr>
+              <a:t>Arrays.</a:t>
+            </a:r>
+            <a:r>
+              <a:rPr lang="en-US" altLang="zh-CN" sz="1200" i="1" kern="1200" dirty="0" smtClean="0">
+                <a:solidFill>
+                  <a:schemeClr val="tx1"/>
+                </a:solidFill>
+                <a:latin typeface="Arial" charset="0"/>
+                <a:ea typeface="+mn-ea"/>
+                <a:cs typeface="+mn-cs"/>
+              </a:rPr>
+              <a:t>asList(nums);</a:t>
+            </a:r>
+          </a:p>
+          <a:p>
+            <a:endParaRPr lang="zh-CN" altLang="en-US" dirty="0"/>
           </a:p>
         </p:txBody>
       </p:sp>
@@ -10343,7 +10969,7 @@
               <a:pPr>
                 <a:defRPr/>
               </a:pPr>
-              <a:t>15</a:t>
+              <a:t>14</a:t>
             </a:fld>
             <a:endParaRPr lang="pt-PT" altLang="zh-CN"/>
           </a:p>
@@ -10352,7 +10978,7 @@
     </p:spTree>
     <p:extLst>
       <p:ext uri="{BB962C8B-B14F-4D97-AF65-F5344CB8AC3E}">
-        <p14:creationId xmlns:p14="http://schemas.microsoft.com/office/powerpoint/2010/main" val="3912989225"/>
+        <p14:creationId xmlns:p14="http://schemas.microsoft.com/office/powerpoint/2010/main" val="1331591927"/>
       </p:ext>
     </p:extLst>
   </p:cSld>
@@ -10414,177 +11040,38 @@
           <a:lstStyle/>
           <a:p>
             <a:r>
-              <a:rPr lang="en-US" altLang="zh-CN" dirty="0" smtClean="0"/>
-              <a:t>HashSet(</a:t>
-            </a:r>
-            <a:r>
-              <a:rPr lang="en-US" altLang="zh-CN" dirty="0" err="1" smtClean="0"/>
-              <a:t>intinitialCapacity</a:t>
-            </a:r>
-            <a:r>
-              <a:rPr lang="en-US" altLang="zh-CN" dirty="0" smtClean="0"/>
-              <a:t>)</a:t>
-            </a:r>
-            <a:r>
-              <a:rPr lang="zh-CN" altLang="en-US" dirty="0" smtClean="0"/>
-              <a:t>参数是负载因子</a:t>
+              <a:rPr lang="zh-CN" altLang="en-US" dirty="0" smtClean="0">
+                <a:solidFill>
+                  <a:schemeClr val="tx1"/>
+                </a:solidFill>
+                <a:hlinkClick r:id="rId3"/>
+              </a:rPr>
+              <a:t>课外阅读</a:t>
+            </a:r>
+            <a:endParaRPr lang="en-US" altLang="zh-CN" dirty="0" smtClean="0">
+              <a:solidFill>
+                <a:schemeClr val="tx1"/>
+              </a:solidFill>
+              <a:hlinkClick r:id="rId3"/>
+            </a:endParaRPr>
+          </a:p>
+          <a:p>
+            <a:r>
+              <a:rPr lang="en-US" altLang="zh-CN" dirty="0" smtClean="0">
+                <a:hlinkClick r:id="rId3"/>
+              </a:rPr>
+              <a:t>http://blog.csdn.net/tuwen/article/details/1839641</a:t>
             </a:r>
             <a:endParaRPr lang="en-US" altLang="zh-CN" dirty="0" smtClean="0"/>
           </a:p>
           <a:p>
             <a:r>
-              <a:rPr lang="zh-CN" altLang="en-US" dirty="0" smtClean="0"/>
-              <a:t>在</a:t>
-            </a:r>
-            <a:r>
-              <a:rPr lang="en-US" altLang="zh-CN" dirty="0" smtClean="0"/>
-              <a:t>java</a:t>
-            </a:r>
-            <a:r>
-              <a:rPr lang="zh-CN" altLang="en-US" dirty="0" smtClean="0"/>
-              <a:t>语言中</a:t>
-            </a:r>
-            <a:r>
-              <a:rPr lang="en-US" altLang="zh-CN" dirty="0" smtClean="0"/>
-              <a:t>,</a:t>
-            </a:r>
-            <a:r>
-              <a:rPr lang="zh-CN" altLang="en-US" dirty="0" smtClean="0"/>
-              <a:t>通过负载因子</a:t>
-            </a:r>
-            <a:r>
-              <a:rPr lang="en-US" altLang="zh-CN" dirty="0" smtClean="0"/>
-              <a:t>(load factor)</a:t>
-            </a:r>
-            <a:r>
-              <a:rPr lang="zh-CN" altLang="en-US" dirty="0" smtClean="0"/>
-              <a:t>来决定何时对散列表进行再</a:t>
-            </a:r>
-            <a:br>
-              <a:rPr lang="zh-CN" altLang="en-US" dirty="0" smtClean="0"/>
-            </a:br>
-            <a:r>
-              <a:rPr lang="zh-CN" altLang="en-US" dirty="0" smtClean="0"/>
-              <a:t>散列</a:t>
-            </a:r>
-            <a:r>
-              <a:rPr lang="en-US" altLang="zh-CN" dirty="0" smtClean="0"/>
-              <a:t>.</a:t>
-            </a:r>
-            <a:r>
-              <a:rPr lang="zh-CN" altLang="en-US" dirty="0" smtClean="0"/>
-              <a:t>例如</a:t>
-            </a:r>
-            <a:r>
-              <a:rPr lang="en-US" altLang="zh-CN" dirty="0" smtClean="0"/>
-              <a:t>:</a:t>
-            </a:r>
-            <a:r>
-              <a:rPr lang="zh-CN" altLang="en-US" dirty="0" smtClean="0"/>
-              <a:t>如果负载因子是</a:t>
-            </a:r>
-            <a:r>
-              <a:rPr lang="en-US" altLang="zh-CN" dirty="0" smtClean="0"/>
-              <a:t>0.75,</a:t>
-            </a:r>
-            <a:r>
-              <a:rPr lang="zh-CN" altLang="en-US" dirty="0" smtClean="0"/>
-              <a:t>当散列表中已经有</a:t>
-            </a:r>
-            <a:r>
-              <a:rPr lang="en-US" altLang="zh-CN" dirty="0" smtClean="0"/>
-              <a:t>75%</a:t>
-            </a:r>
-            <a:r>
-              <a:rPr lang="zh-CN" altLang="en-US" dirty="0" smtClean="0"/>
-              <a:t>的位置已经放满</a:t>
-            </a:r>
-            <a:r>
-              <a:rPr lang="en-US" altLang="zh-CN" dirty="0" smtClean="0"/>
-              <a:t>,</a:t>
-            </a:r>
-            <a:br>
-              <a:rPr lang="en-US" altLang="zh-CN" dirty="0" smtClean="0"/>
-            </a:br>
-            <a:r>
-              <a:rPr lang="zh-CN" altLang="en-US" dirty="0" smtClean="0"/>
-              <a:t>那么将进行散列</a:t>
-            </a:r>
-            <a:r>
-              <a:rPr lang="en-US" altLang="zh-CN" dirty="0" smtClean="0"/>
-              <a:t>.</a:t>
-            </a:r>
-            <a:br>
-              <a:rPr lang="en-US" altLang="zh-CN" dirty="0" smtClean="0"/>
-            </a:br>
-            <a:r>
-              <a:rPr lang="zh-CN" altLang="en-US" dirty="0" smtClean="0"/>
-              <a:t>负载因子越高</a:t>
-            </a:r>
-            <a:r>
-              <a:rPr lang="en-US" altLang="zh-CN" dirty="0" smtClean="0"/>
-              <a:t>(</a:t>
-            </a:r>
-            <a:r>
-              <a:rPr lang="zh-CN" altLang="en-US" dirty="0" smtClean="0"/>
-              <a:t>越接近</a:t>
-            </a:r>
-            <a:r>
-              <a:rPr lang="en-US" altLang="zh-CN" dirty="0" smtClean="0"/>
-              <a:t>1.0),</a:t>
-            </a:r>
-            <a:r>
-              <a:rPr lang="zh-CN" altLang="en-US" dirty="0" smtClean="0"/>
-              <a:t>内存的使用率越高</a:t>
-            </a:r>
-            <a:r>
-              <a:rPr lang="en-US" altLang="zh-CN" dirty="0" smtClean="0"/>
-              <a:t>,</a:t>
-            </a:r>
-            <a:r>
-              <a:rPr lang="zh-CN" altLang="en-US" dirty="0" smtClean="0"/>
-              <a:t>元素的寻找时间越长</a:t>
-            </a:r>
-            <a:r>
-              <a:rPr lang="en-US" altLang="zh-CN" dirty="0" smtClean="0"/>
-              <a:t>.</a:t>
-            </a:r>
-            <a:br>
-              <a:rPr lang="en-US" altLang="zh-CN" dirty="0" smtClean="0"/>
-            </a:br>
-            <a:r>
-              <a:rPr lang="zh-CN" altLang="en-US" dirty="0" smtClean="0"/>
-              <a:t>负载因子越低</a:t>
-            </a:r>
-            <a:r>
-              <a:rPr lang="en-US" altLang="zh-CN" dirty="0" smtClean="0"/>
-              <a:t>(</a:t>
-            </a:r>
-            <a:r>
-              <a:rPr lang="zh-CN" altLang="en-US" dirty="0" smtClean="0"/>
-              <a:t>越接近</a:t>
-            </a:r>
-            <a:r>
-              <a:rPr lang="en-US" altLang="zh-CN" dirty="0" smtClean="0"/>
-              <a:t>0.0),</a:t>
-            </a:r>
-            <a:r>
-              <a:rPr lang="zh-CN" altLang="en-US" dirty="0" smtClean="0"/>
-              <a:t>元素的寻找时间越短</a:t>
-            </a:r>
-            <a:r>
-              <a:rPr lang="en-US" altLang="zh-CN" dirty="0" smtClean="0"/>
-              <a:t>,</a:t>
-            </a:r>
-            <a:r>
-              <a:rPr lang="zh-CN" altLang="en-US" dirty="0" smtClean="0"/>
-              <a:t>内存浪费越多</a:t>
-            </a:r>
-            <a:r>
-              <a:rPr lang="en-US" altLang="zh-CN" dirty="0" smtClean="0"/>
-              <a:t>.</a:t>
-            </a:r>
-            <a:endParaRPr lang="zh-CN" altLang="en-US" dirty="0"/>
+              <a:rPr lang="en-US" altLang="zh-CN" dirty="0" smtClean="0">
+                <a:hlinkClick r:id="rId4"/>
+              </a:rPr>
+              <a:t>http://blog.sina.com.cn/s/blog_5ce1fe770100b0ay.html</a:t>
+            </a:r>
+            <a:endParaRPr lang="en-US" altLang="zh-CN" dirty="0" smtClean="0"/>
           </a:p>
         </p:txBody>
       </p:sp>
@@ -10611,7 +11098,7 @@
               <a:pPr>
                 <a:defRPr/>
               </a:pPr>
-              <a:t>18</a:t>
+              <a:t>15</a:t>
             </a:fld>
             <a:endParaRPr lang="pt-PT" altLang="zh-CN"/>
           </a:p>
@@ -10620,7 +11107,7 @@
     </p:spTree>
     <p:extLst>
       <p:ext uri="{BB962C8B-B14F-4D97-AF65-F5344CB8AC3E}">
-        <p14:creationId xmlns:p14="http://schemas.microsoft.com/office/powerpoint/2010/main" val="473463969"/>
+        <p14:creationId xmlns:p14="http://schemas.microsoft.com/office/powerpoint/2010/main" val="3912989225"/>
       </p:ext>
     </p:extLst>
   </p:cSld>
@@ -10649,9 +11136,9 @@
       </p:grpSpPr>
       <p:sp>
         <p:nvSpPr>
-          <p:cNvPr id="23554" name="幻灯片图像占位符 1"/>
+          <p:cNvPr id="2" name="幻灯片图像占位符 1"/>
           <p:cNvSpPr>
-            <a:spLocks noGrp="1" noRot="1" noChangeAspect="1" noTextEdit="1"/>
+            <a:spLocks noGrp="1" noRot="1" noChangeAspect="1"/>
           </p:cNvSpPr>
           <p:nvPr>
             <p:ph type="sldImg"/>
@@ -10662,12 +11149,11 @@
             <a:off x="92075" y="744538"/>
             <a:ext cx="6610350" cy="3719512"/>
           </a:xfrm>
-          <a:ln/>
         </p:spPr>
       </p:sp>
       <p:sp>
         <p:nvSpPr>
-          <p:cNvPr id="23555" name="备注占位符 2"/>
+          <p:cNvPr id="3" name="备注占位符 2"/>
           <p:cNvSpPr>
             <a:spLocks noGrp="1"/>
           </p:cNvSpPr>
@@ -10675,193 +11161,221 @@
             <p:ph type="body" idx="1"/>
           </p:nvPr>
         </p:nvSpPr>
-        <p:spPr>
-          <a:noFill/>
-          <a:ln/>
-          <a:extLst>
-            <a:ext uri="{909E8E84-426E-40DD-AFC4-6F175D3DCCD1}">
-              <a14:hiddenFill xmlns:a14="http://schemas.microsoft.com/office/drawing/2010/main">
-                <a:solidFill>
-                  <a:srgbClr val="FFFFFF"/>
-                </a:solidFill>
-              </a14:hiddenFill>
-            </a:ext>
-            <a:ext uri="{91240B29-F687-4F45-9708-019B960494DF}">
-              <a14:hiddenLine xmlns:a14="http://schemas.microsoft.com/office/drawing/2010/main" w="9525">
-                <a:solidFill>
-                  <a:srgbClr val="000000"/>
-                </a:solidFill>
-                <a:miter lim="800000"/>
-                <a:headEnd/>
-                <a:tailEnd/>
-              </a14:hiddenLine>
-            </a:ext>
-          </a:extLst>
-        </p:spPr>
+        <p:spPr/>
         <p:txBody>
-          <a:bodyPr/>
+          <a:bodyPr>
+            <a:normAutofit/>
+          </a:bodyPr>
           <a:lstStyle/>
           <a:p>
-            <a:endParaRPr lang="zh-CN" altLang="en-US" smtClean="0"/>
+            <a:r>
+              <a:rPr lang="en-US" altLang="zh-CN" dirty="0" smtClean="0"/>
+              <a:t>HashSet(</a:t>
+            </a:r>
+            <a:r>
+              <a:rPr lang="en-US" altLang="zh-CN" dirty="0" err="1" smtClean="0"/>
+              <a:t>intinitialCapacity</a:t>
+            </a:r>
+            <a:r>
+              <a:rPr lang="en-US" altLang="zh-CN" dirty="0" smtClean="0"/>
+              <a:t>)</a:t>
+            </a:r>
+            <a:r>
+              <a:rPr lang="zh-CN" altLang="en-US" dirty="0" smtClean="0"/>
+              <a:t>参数是负载因子</a:t>
+            </a:r>
+            <a:endParaRPr lang="en-US" altLang="zh-CN" dirty="0" smtClean="0"/>
+          </a:p>
+          <a:p>
+            <a:r>
+              <a:rPr lang="zh-CN" altLang="en-US" dirty="0" smtClean="0"/>
+              <a:t>在</a:t>
+            </a:r>
+            <a:r>
+              <a:rPr lang="en-US" altLang="zh-CN" dirty="0" smtClean="0"/>
+              <a:t>java</a:t>
+            </a:r>
+            <a:r>
+              <a:rPr lang="zh-CN" altLang="en-US" dirty="0" smtClean="0"/>
+              <a:t>语言中</a:t>
+            </a:r>
+            <a:r>
+              <a:rPr lang="en-US" altLang="zh-CN" dirty="0" smtClean="0"/>
+              <a:t>,</a:t>
+            </a:r>
+            <a:r>
+              <a:rPr lang="zh-CN" altLang="en-US" dirty="0" smtClean="0"/>
+              <a:t>通过负载因子</a:t>
+            </a:r>
+            <a:r>
+              <a:rPr lang="en-US" altLang="zh-CN" dirty="0" smtClean="0"/>
+              <a:t>(load factor)</a:t>
+            </a:r>
+            <a:r>
+              <a:rPr lang="zh-CN" altLang="en-US" dirty="0" smtClean="0"/>
+              <a:t>来决定何时对散列表进行再</a:t>
+            </a:r>
+            <a:br>
+              <a:rPr lang="zh-CN" altLang="en-US" dirty="0" smtClean="0"/>
+            </a:br>
+            <a:r>
+              <a:rPr lang="zh-CN" altLang="en-US" dirty="0" smtClean="0"/>
+              <a:t>散列</a:t>
+            </a:r>
+            <a:r>
+              <a:rPr lang="en-US" altLang="zh-CN" dirty="0" smtClean="0"/>
+              <a:t>.</a:t>
+            </a:r>
+            <a:r>
+              <a:rPr lang="zh-CN" altLang="en-US" dirty="0" smtClean="0"/>
+              <a:t>例如</a:t>
+            </a:r>
+            <a:r>
+              <a:rPr lang="en-US" altLang="zh-CN" dirty="0" smtClean="0"/>
+              <a:t>:</a:t>
+            </a:r>
+            <a:r>
+              <a:rPr lang="zh-CN" altLang="en-US" dirty="0" smtClean="0"/>
+              <a:t>如果负载因子是</a:t>
+            </a:r>
+            <a:r>
+              <a:rPr lang="en-US" altLang="zh-CN" dirty="0" smtClean="0"/>
+              <a:t>0.75,</a:t>
+            </a:r>
+            <a:r>
+              <a:rPr lang="zh-CN" altLang="en-US" dirty="0" smtClean="0"/>
+              <a:t>当散列表中已经有</a:t>
+            </a:r>
+            <a:r>
+              <a:rPr lang="en-US" altLang="zh-CN" dirty="0" smtClean="0"/>
+              <a:t>75%</a:t>
+            </a:r>
+            <a:r>
+              <a:rPr lang="zh-CN" altLang="en-US" dirty="0" smtClean="0"/>
+              <a:t>的位置已经放满</a:t>
+            </a:r>
+            <a:r>
+              <a:rPr lang="en-US" altLang="zh-CN" dirty="0" smtClean="0"/>
+              <a:t>,</a:t>
+            </a:r>
+            <a:br>
+              <a:rPr lang="en-US" altLang="zh-CN" dirty="0" smtClean="0"/>
+            </a:br>
+            <a:r>
+              <a:rPr lang="zh-CN" altLang="en-US" dirty="0" smtClean="0"/>
+              <a:t>那么将进行散列</a:t>
+            </a:r>
+            <a:r>
+              <a:rPr lang="en-US" altLang="zh-CN" dirty="0" smtClean="0"/>
+              <a:t>.</a:t>
+            </a:r>
+            <a:br>
+              <a:rPr lang="en-US" altLang="zh-CN" dirty="0" smtClean="0"/>
+            </a:br>
+            <a:r>
+              <a:rPr lang="zh-CN" altLang="en-US" dirty="0" smtClean="0"/>
+              <a:t>负载因子越高</a:t>
+            </a:r>
+            <a:r>
+              <a:rPr lang="en-US" altLang="zh-CN" dirty="0" smtClean="0"/>
+              <a:t>(</a:t>
+            </a:r>
+            <a:r>
+              <a:rPr lang="zh-CN" altLang="en-US" dirty="0" smtClean="0"/>
+              <a:t>越接近</a:t>
+            </a:r>
+            <a:r>
+              <a:rPr lang="en-US" altLang="zh-CN" dirty="0" smtClean="0"/>
+              <a:t>1.0),</a:t>
+            </a:r>
+            <a:r>
+              <a:rPr lang="zh-CN" altLang="en-US" dirty="0" smtClean="0"/>
+              <a:t>内存的使用率越高</a:t>
+            </a:r>
+            <a:r>
+              <a:rPr lang="en-US" altLang="zh-CN" dirty="0" smtClean="0"/>
+              <a:t>,</a:t>
+            </a:r>
+            <a:r>
+              <a:rPr lang="zh-CN" altLang="en-US" dirty="0" smtClean="0"/>
+              <a:t>元素的寻找时间越长</a:t>
+            </a:r>
+            <a:r>
+              <a:rPr lang="en-US" altLang="zh-CN" dirty="0" smtClean="0"/>
+              <a:t>.</a:t>
+            </a:r>
+            <a:br>
+              <a:rPr lang="en-US" altLang="zh-CN" dirty="0" smtClean="0"/>
+            </a:br>
+            <a:r>
+              <a:rPr lang="zh-CN" altLang="en-US" dirty="0" smtClean="0"/>
+              <a:t>负载因子越低</a:t>
+            </a:r>
+            <a:r>
+              <a:rPr lang="en-US" altLang="zh-CN" dirty="0" smtClean="0"/>
+              <a:t>(</a:t>
+            </a:r>
+            <a:r>
+              <a:rPr lang="zh-CN" altLang="en-US" dirty="0" smtClean="0"/>
+              <a:t>越接近</a:t>
+            </a:r>
+            <a:r>
+              <a:rPr lang="en-US" altLang="zh-CN" dirty="0" smtClean="0"/>
+              <a:t>0.0),</a:t>
+            </a:r>
+            <a:r>
+              <a:rPr lang="zh-CN" altLang="en-US" dirty="0" smtClean="0"/>
+              <a:t>元素的寻找时间越短</a:t>
+            </a:r>
+            <a:r>
+              <a:rPr lang="en-US" altLang="zh-CN" dirty="0" smtClean="0"/>
+              <a:t>,</a:t>
+            </a:r>
+            <a:r>
+              <a:rPr lang="zh-CN" altLang="en-US" dirty="0" smtClean="0"/>
+              <a:t>内存浪费越多</a:t>
+            </a:r>
+            <a:r>
+              <a:rPr lang="en-US" altLang="zh-CN" dirty="0" smtClean="0"/>
+              <a:t>.</a:t>
+            </a:r>
+            <a:endParaRPr lang="zh-CN" altLang="en-US" dirty="0"/>
           </a:p>
         </p:txBody>
       </p:sp>
       <p:sp>
         <p:nvSpPr>
-          <p:cNvPr id="23556" name="灯片编号占位符 3"/>
+          <p:cNvPr id="4" name="灯片编号占位符 3"/>
           <p:cNvSpPr>
             <a:spLocks noGrp="1"/>
           </p:cNvSpPr>
           <p:nvPr>
-            <p:ph type="sldNum" sz="quarter" idx="5"/>
+            <p:ph type="sldNum" sz="quarter" idx="10"/>
           </p:nvPr>
         </p:nvSpPr>
-        <p:spPr>
-          <a:noFill/>
-          <a:ln/>
-          <a:extLst>
-            <a:ext uri="{909E8E84-426E-40DD-AFC4-6F175D3DCCD1}">
-              <a14:hiddenFill xmlns:a14="http://schemas.microsoft.com/office/drawing/2010/main">
-                <a:solidFill>
-                  <a:srgbClr val="FFFFFF"/>
-                </a:solidFill>
-              </a14:hiddenFill>
-            </a:ext>
-            <a:ext uri="{91240B29-F687-4F45-9708-019B960494DF}">
-              <a14:hiddenLine xmlns:a14="http://schemas.microsoft.com/office/drawing/2010/main" w="9525">
-                <a:solidFill>
-                  <a:srgbClr val="000000"/>
-                </a:solidFill>
-                <a:miter lim="800000"/>
-                <a:headEnd/>
-                <a:tailEnd/>
-              </a14:hiddenLine>
-            </a:ext>
-          </a:extLst>
-        </p:spPr>
+        <p:spPr/>
         <p:txBody>
           <a:bodyPr/>
-          <a:lstStyle>
-            <a:lvl1pPr eaLnBrk="0" hangingPunct="0">
-              <a:defRPr sz="2000">
-                <a:solidFill>
-                  <a:srgbClr val="A50021"/>
-                </a:solidFill>
-                <a:latin typeface="Arial" charset="0"/>
-              </a:defRPr>
-            </a:lvl1pPr>
-            <a:lvl2pPr marL="742950" indent="-285750" eaLnBrk="0" hangingPunct="0">
-              <a:defRPr sz="2000">
-                <a:solidFill>
-                  <a:srgbClr val="A50021"/>
-                </a:solidFill>
-                <a:latin typeface="Arial" charset="0"/>
-              </a:defRPr>
-            </a:lvl2pPr>
-            <a:lvl3pPr marL="1143000" indent="-228600" eaLnBrk="0" hangingPunct="0">
-              <a:defRPr sz="2000">
-                <a:solidFill>
-                  <a:srgbClr val="A50021"/>
-                </a:solidFill>
-                <a:latin typeface="Arial" charset="0"/>
-              </a:defRPr>
-            </a:lvl3pPr>
-            <a:lvl4pPr marL="1600200" indent="-228600" eaLnBrk="0" hangingPunct="0">
-              <a:defRPr sz="2000">
-                <a:solidFill>
-                  <a:srgbClr val="A50021"/>
-                </a:solidFill>
-                <a:latin typeface="Arial" charset="0"/>
-              </a:defRPr>
-            </a:lvl4pPr>
-            <a:lvl5pPr marL="2057400" indent="-228600" eaLnBrk="0" hangingPunct="0">
-              <a:defRPr sz="2000">
-                <a:solidFill>
-                  <a:srgbClr val="A50021"/>
-                </a:solidFill>
-                <a:latin typeface="Arial" charset="0"/>
-              </a:defRPr>
-            </a:lvl5pPr>
-            <a:lvl6pPr marL="2514600" indent="-228600" eaLnBrk="0" fontAlgn="base" hangingPunct="0">
-              <a:spcBef>
-                <a:spcPct val="0"/>
-              </a:spcBef>
-              <a:spcAft>
-                <a:spcPct val="0"/>
-              </a:spcAft>
-              <a:defRPr sz="2000">
-                <a:solidFill>
-                  <a:srgbClr val="A50021"/>
-                </a:solidFill>
-                <a:latin typeface="Arial" charset="0"/>
-              </a:defRPr>
-            </a:lvl6pPr>
-            <a:lvl7pPr marL="2971800" indent="-228600" eaLnBrk="0" fontAlgn="base" hangingPunct="0">
-              <a:spcBef>
-                <a:spcPct val="0"/>
-              </a:spcBef>
-              <a:spcAft>
-                <a:spcPct val="0"/>
-              </a:spcAft>
-              <a:defRPr sz="2000">
-                <a:solidFill>
-                  <a:srgbClr val="A50021"/>
-                </a:solidFill>
-                <a:latin typeface="Arial" charset="0"/>
-              </a:defRPr>
-            </a:lvl7pPr>
-            <a:lvl8pPr marL="3429000" indent="-228600" eaLnBrk="0" fontAlgn="base" hangingPunct="0">
-              <a:spcBef>
-                <a:spcPct val="0"/>
-              </a:spcBef>
-              <a:spcAft>
-                <a:spcPct val="0"/>
-              </a:spcAft>
-              <a:defRPr sz="2000">
-                <a:solidFill>
-                  <a:srgbClr val="A50021"/>
-                </a:solidFill>
-                <a:latin typeface="Arial" charset="0"/>
-              </a:defRPr>
-            </a:lvl8pPr>
-            <a:lvl9pPr marL="3886200" indent="-228600" eaLnBrk="0" fontAlgn="base" hangingPunct="0">
-              <a:spcBef>
-                <a:spcPct val="0"/>
-              </a:spcBef>
-              <a:spcAft>
-                <a:spcPct val="0"/>
-              </a:spcAft>
-              <a:defRPr sz="2000">
-                <a:solidFill>
-                  <a:srgbClr val="A50021"/>
-                </a:solidFill>
-                <a:latin typeface="Arial" charset="0"/>
-              </a:defRPr>
-            </a:lvl9pPr>
-          </a:lstStyle>
-          <a:p>
-            <a:pPr eaLnBrk="1" hangingPunct="1"/>
-            <a:fld id="{05D8A813-7F41-46AB-9DB7-A683BBF0EB66}" type="slidenum">
-              <a:rPr lang="pt-PT" altLang="zh-CN" sz="1200" smtClean="0">
-                <a:solidFill>
-                  <a:schemeClr val="tx1"/>
-                </a:solidFill>
-              </a:rPr>
-              <a:pPr eaLnBrk="1" hangingPunct="1"/>
-              <a:t>31</a:t>
+          <a:lstStyle/>
+          <a:p>
+            <a:pPr>
+              <a:defRPr/>
+            </a:pPr>
+            <a:fld id="{A0721F3A-D631-43CB-AA2E-A2AC279AD1E4}" type="slidenum">
+              <a:rPr lang="pt-PT" altLang="zh-CN" smtClean="0"/>
+              <a:pPr>
+                <a:defRPr/>
+              </a:pPr>
+              <a:t>18</a:t>
             </a:fld>
-            <a:endParaRPr lang="pt-PT" altLang="zh-CN" sz="1200" smtClean="0">
-              <a:solidFill>
-                <a:schemeClr val="tx1"/>
-              </a:solidFill>
-            </a:endParaRPr>
+            <a:endParaRPr lang="pt-PT" altLang="zh-CN"/>
           </a:p>
         </p:txBody>
       </p:sp>
     </p:spTree>
     <p:extLst>
       <p:ext uri="{BB962C8B-B14F-4D97-AF65-F5344CB8AC3E}">
-        <p14:creationId xmlns:p14="http://schemas.microsoft.com/office/powerpoint/2010/main" val="3469450960"/>
+        <p14:creationId xmlns:p14="http://schemas.microsoft.com/office/powerpoint/2010/main" val="473463969"/>
       </p:ext>
     </p:extLst>
   </p:cSld>
@@ -10890,25 +11404,19 @@
       </p:grpSpPr>
       <p:sp>
         <p:nvSpPr>
-          <p:cNvPr id="23554" name="幻灯片图像占位符 1"/>
+          <p:cNvPr id="2" name="幻灯片图像占位符 1"/>
           <p:cNvSpPr>
-            <a:spLocks noGrp="1" noRot="1" noChangeAspect="1" noTextEdit="1"/>
+            <a:spLocks noGrp="1" noRot="1" noChangeAspect="1"/>
           </p:cNvSpPr>
           <p:nvPr>
             <p:ph type="sldImg"/>
           </p:nvPr>
         </p:nvSpPr>
-        <p:spPr>
-          <a:xfrm>
-            <a:off x="92075" y="744538"/>
-            <a:ext cx="6610350" cy="3719512"/>
-          </a:xfrm>
-          <a:ln/>
-        </p:spPr>
+        <p:spPr/>
       </p:sp>
       <p:sp>
         <p:nvSpPr>
-          <p:cNvPr id="23555" name="备注占位符 2"/>
+          <p:cNvPr id="3" name="备注占位符 2"/>
           <p:cNvSpPr>
             <a:spLocks noGrp="1"/>
           </p:cNvSpPr>
@@ -10916,193 +11424,56 @@
             <p:ph type="body" idx="1"/>
           </p:nvPr>
         </p:nvSpPr>
-        <p:spPr>
-          <a:noFill/>
-          <a:ln/>
-          <a:extLst>
-            <a:ext uri="{909E8E84-426E-40DD-AFC4-6F175D3DCCD1}">
-              <a14:hiddenFill xmlns:a14="http://schemas.microsoft.com/office/drawing/2010/main">
-                <a:solidFill>
-                  <a:srgbClr val="FFFFFF"/>
-                </a:solidFill>
-              </a14:hiddenFill>
-            </a:ext>
-            <a:ext uri="{91240B29-F687-4F45-9708-019B960494DF}">
-              <a14:hiddenLine xmlns:a14="http://schemas.microsoft.com/office/drawing/2010/main" w="9525">
-                <a:solidFill>
-                  <a:srgbClr val="000000"/>
-                </a:solidFill>
-                <a:miter lim="800000"/>
-                <a:headEnd/>
-                <a:tailEnd/>
-              </a14:hiddenLine>
-            </a:ext>
-          </a:extLst>
-        </p:spPr>
+        <p:spPr/>
         <p:txBody>
           <a:bodyPr/>
           <a:lstStyle/>
           <a:p>
-            <a:endParaRPr lang="zh-CN" altLang="en-US" smtClean="0"/>
+            <a:r>
+              <a:rPr lang="en-US" altLang="zh-CN" dirty="0" smtClean="0"/>
+              <a:t>TreeMap</a:t>
+            </a:r>
+            <a:r>
+              <a:rPr lang="zh-CN" altLang="en-US" dirty="0" smtClean="0"/>
+              <a:t>是基于红黑树实现的，红黑树是一种特殊的二叉排序树</a:t>
+            </a:r>
+            <a:endParaRPr lang="zh-CN" altLang="en-US" dirty="0"/>
           </a:p>
         </p:txBody>
       </p:sp>
       <p:sp>
         <p:nvSpPr>
-          <p:cNvPr id="23556" name="灯片编号占位符 3"/>
+          <p:cNvPr id="4" name="灯片编号占位符 3"/>
           <p:cNvSpPr>
             <a:spLocks noGrp="1"/>
           </p:cNvSpPr>
           <p:nvPr>
-            <p:ph type="sldNum" sz="quarter" idx="5"/>
+            <p:ph type="sldNum" sz="quarter" idx="10"/>
           </p:nvPr>
         </p:nvSpPr>
-        <p:spPr>
-          <a:noFill/>
-          <a:ln/>
-          <a:extLst>
-            <a:ext uri="{909E8E84-426E-40DD-AFC4-6F175D3DCCD1}">
-              <a14:hiddenFill xmlns:a14="http://schemas.microsoft.com/office/drawing/2010/main">
-                <a:solidFill>
-                  <a:srgbClr val="FFFFFF"/>
-                </a:solidFill>
-              </a14:hiddenFill>
-            </a:ext>
-            <a:ext uri="{91240B29-F687-4F45-9708-019B960494DF}">
-              <a14:hiddenLine xmlns:a14="http://schemas.microsoft.com/office/drawing/2010/main" w="9525">
-                <a:solidFill>
-                  <a:srgbClr val="000000"/>
-                </a:solidFill>
-                <a:miter lim="800000"/>
-                <a:headEnd/>
-                <a:tailEnd/>
-              </a14:hiddenLine>
-            </a:ext>
-          </a:extLst>
-        </p:spPr>
+        <p:spPr/>
         <p:txBody>
           <a:bodyPr/>
-          <a:lstStyle>
-            <a:lvl1pPr eaLnBrk="0" hangingPunct="0">
-              <a:defRPr sz="2000">
-                <a:solidFill>
-                  <a:srgbClr val="A50021"/>
-                </a:solidFill>
-                <a:latin typeface="Arial" charset="0"/>
-              </a:defRPr>
-            </a:lvl1pPr>
-            <a:lvl2pPr marL="742950" indent="-285750" eaLnBrk="0" hangingPunct="0">
-              <a:defRPr sz="2000">
-                <a:solidFill>
-                  <a:srgbClr val="A50021"/>
-                </a:solidFill>
-                <a:latin typeface="Arial" charset="0"/>
-              </a:defRPr>
-            </a:lvl2pPr>
-            <a:lvl3pPr marL="1143000" indent="-228600" eaLnBrk="0" hangingPunct="0">
-              <a:defRPr sz="2000">
-                <a:solidFill>
-                  <a:srgbClr val="A50021"/>
-                </a:solidFill>
-                <a:latin typeface="Arial" charset="0"/>
-              </a:defRPr>
-            </a:lvl3pPr>
-            <a:lvl4pPr marL="1600200" indent="-228600" eaLnBrk="0" hangingPunct="0">
-              <a:defRPr sz="2000">
-                <a:solidFill>
-                  <a:srgbClr val="A50021"/>
-                </a:solidFill>
-                <a:latin typeface="Arial" charset="0"/>
-              </a:defRPr>
-            </a:lvl4pPr>
-            <a:lvl5pPr marL="2057400" indent="-228600" eaLnBrk="0" hangingPunct="0">
-              <a:defRPr sz="2000">
-                <a:solidFill>
-                  <a:srgbClr val="A50021"/>
-                </a:solidFill>
-                <a:latin typeface="Arial" charset="0"/>
-              </a:defRPr>
-            </a:lvl5pPr>
-            <a:lvl6pPr marL="2514600" indent="-228600" eaLnBrk="0" fontAlgn="base" hangingPunct="0">
-              <a:spcBef>
-                <a:spcPct val="0"/>
-              </a:spcBef>
-              <a:spcAft>
-                <a:spcPct val="0"/>
-              </a:spcAft>
-              <a:defRPr sz="2000">
-                <a:solidFill>
-                  <a:srgbClr val="A50021"/>
-                </a:solidFill>
-                <a:latin typeface="Arial" charset="0"/>
-              </a:defRPr>
-            </a:lvl6pPr>
-            <a:lvl7pPr marL="2971800" indent="-228600" eaLnBrk="0" fontAlgn="base" hangingPunct="0">
-              <a:spcBef>
-                <a:spcPct val="0"/>
-              </a:spcBef>
-              <a:spcAft>
-                <a:spcPct val="0"/>
-              </a:spcAft>
-              <a:defRPr sz="2000">
-                <a:solidFill>
-                  <a:srgbClr val="A50021"/>
-                </a:solidFill>
-                <a:latin typeface="Arial" charset="0"/>
-              </a:defRPr>
-            </a:lvl7pPr>
-            <a:lvl8pPr marL="3429000" indent="-228600" eaLnBrk="0" fontAlgn="base" hangingPunct="0">
-              <a:spcBef>
-                <a:spcPct val="0"/>
-              </a:spcBef>
-              <a:spcAft>
-                <a:spcPct val="0"/>
-              </a:spcAft>
-              <a:defRPr sz="2000">
-                <a:solidFill>
-                  <a:srgbClr val="A50021"/>
-                </a:solidFill>
-                <a:latin typeface="Arial" charset="0"/>
-              </a:defRPr>
-            </a:lvl8pPr>
-            <a:lvl9pPr marL="3886200" indent="-228600" eaLnBrk="0" fontAlgn="base" hangingPunct="0">
-              <a:spcBef>
-                <a:spcPct val="0"/>
-              </a:spcBef>
-              <a:spcAft>
-                <a:spcPct val="0"/>
-              </a:spcAft>
-              <a:defRPr sz="2000">
-                <a:solidFill>
-                  <a:srgbClr val="A50021"/>
-                </a:solidFill>
-                <a:latin typeface="Arial" charset="0"/>
-              </a:defRPr>
-            </a:lvl9pPr>
-          </a:lstStyle>
-          <a:p>
-            <a:pPr eaLnBrk="1" hangingPunct="1"/>
-            <a:fld id="{05D8A813-7F41-46AB-9DB7-A683BBF0EB66}" type="slidenum">
-              <a:rPr lang="pt-PT" altLang="zh-CN" sz="1200" smtClean="0">
-                <a:solidFill>
-                  <a:schemeClr val="tx1"/>
-                </a:solidFill>
-              </a:rPr>
-              <a:pPr eaLnBrk="1" hangingPunct="1"/>
-              <a:t>32</a:t>
+          <a:lstStyle/>
+          <a:p>
+            <a:pPr>
+              <a:defRPr/>
+            </a:pPr>
+            <a:fld id="{A0721F3A-D631-43CB-AA2E-A2AC279AD1E4}" type="slidenum">
+              <a:rPr lang="pt-PT" altLang="zh-CN" smtClean="0"/>
+              <a:pPr>
+                <a:defRPr/>
+              </a:pPr>
+              <a:t>21</a:t>
             </a:fld>
-            <a:endParaRPr lang="pt-PT" altLang="zh-CN" sz="1200" smtClean="0">
-              <a:solidFill>
-                <a:schemeClr val="tx1"/>
-              </a:solidFill>
-            </a:endParaRPr>
+            <a:endParaRPr lang="pt-PT" altLang="zh-CN"/>
           </a:p>
         </p:txBody>
       </p:sp>
     </p:spTree>
     <p:extLst>
       <p:ext uri="{BB962C8B-B14F-4D97-AF65-F5344CB8AC3E}">
-        <p14:creationId xmlns:p14="http://schemas.microsoft.com/office/powerpoint/2010/main" val="366711866"/>
+        <p14:creationId xmlns:p14="http://schemas.microsoft.com/office/powerpoint/2010/main" val="1498665260"/>
       </p:ext>
     </p:extLst>
   </p:cSld>
@@ -11184,13 +11555,7 @@
           <a:bodyPr/>
           <a:lstStyle/>
           <a:p>
-            <a:r>
-              <a:rPr lang="en-US" altLang="zh-CN" dirty="0" smtClean="0"/>
-              <a:t>http://www.cnblogs.com/end/archive/2012/10/25/2738493.html</a:t>
-            </a:r>
-          </a:p>
-          <a:p>
-            <a:endParaRPr lang="zh-CN" altLang="en-US" dirty="0" smtClean="0"/>
+            <a:endParaRPr lang="zh-CN" altLang="en-US" smtClean="0"/>
           </a:p>
         </p:txBody>
       </p:sp>
@@ -11336,7 +11701,7 @@
                 </a:solidFill>
               </a:rPr>
               <a:pPr eaLnBrk="1" hangingPunct="1"/>
-              <a:t>33</a:t>
+              <a:t>31</a:t>
             </a:fld>
             <a:endParaRPr lang="pt-PT" altLang="zh-CN" sz="1200" smtClean="0">
               <a:solidFill>
@@ -11349,7 +11714,7 @@
     </p:spTree>
     <p:extLst>
       <p:ext uri="{BB962C8B-B14F-4D97-AF65-F5344CB8AC3E}">
-        <p14:creationId xmlns:p14="http://schemas.microsoft.com/office/powerpoint/2010/main" val="1693434340"/>
+        <p14:creationId xmlns:p14="http://schemas.microsoft.com/office/powerpoint/2010/main" val="3469450960"/>
       </p:ext>
     </p:extLst>
   </p:cSld>
@@ -11431,12 +11796,6 @@
           <a:bodyPr/>
           <a:lstStyle/>
           <a:p>
-            <a:r>
-              <a:rPr lang="en-US" altLang="zh-CN" smtClean="0"/>
-              <a:t>http://www.cnblogs.com/end/archive/2012/10/25/2738493.html</a:t>
-            </a:r>
-          </a:p>
-          <a:p>
             <a:endParaRPr lang="zh-CN" altLang="en-US" smtClean="0"/>
           </a:p>
         </p:txBody>
@@ -11583,7 +11942,7 @@
                 </a:solidFill>
               </a:rPr>
               <a:pPr eaLnBrk="1" hangingPunct="1"/>
-              <a:t>34</a:t>
+              <a:t>32</a:t>
             </a:fld>
             <a:endParaRPr lang="pt-PT" altLang="zh-CN" sz="1200" smtClean="0">
               <a:solidFill>
@@ -11596,7 +11955,7 @@
     </p:spTree>
     <p:extLst>
       <p:ext uri="{BB962C8B-B14F-4D97-AF65-F5344CB8AC3E}">
-        <p14:creationId xmlns:p14="http://schemas.microsoft.com/office/powerpoint/2010/main" val="3521137747"/>
+        <p14:creationId xmlns:p14="http://schemas.microsoft.com/office/powerpoint/2010/main" val="366711866"/>
       </p:ext>
     </p:extLst>
   </p:cSld>
@@ -11678,7 +12037,13 @@
           <a:bodyPr/>
           <a:lstStyle/>
           <a:p>
-            <a:endParaRPr lang="zh-CN" altLang="en-US" smtClean="0"/>
+            <a:r>
+              <a:rPr lang="en-US" altLang="zh-CN" dirty="0" smtClean="0"/>
+              <a:t>http://www.cnblogs.com/end/archive/2012/10/25/2738493.html</a:t>
+            </a:r>
+          </a:p>
+          <a:p>
+            <a:endParaRPr lang="zh-CN" altLang="en-US" dirty="0" smtClean="0"/>
           </a:p>
         </p:txBody>
       </p:sp>
@@ -11824,7 +12189,7 @@
                 </a:solidFill>
               </a:rPr>
               <a:pPr eaLnBrk="1" hangingPunct="1"/>
-              <a:t>35</a:t>
+              <a:t>33</a:t>
             </a:fld>
             <a:endParaRPr lang="pt-PT" altLang="zh-CN" sz="1200" smtClean="0">
               <a:solidFill>
@@ -11837,7 +12202,7 @@
     </p:spTree>
     <p:extLst>
       <p:ext uri="{BB962C8B-B14F-4D97-AF65-F5344CB8AC3E}">
-        <p14:creationId xmlns:p14="http://schemas.microsoft.com/office/powerpoint/2010/main" val="2811967491"/>
+        <p14:creationId xmlns:p14="http://schemas.microsoft.com/office/powerpoint/2010/main" val="1693434340"/>
       </p:ext>
     </p:extLst>
   </p:cSld>
@@ -14074,16 +14439,12 @@
               </a:lnSpc>
             </a:pPr>
             <a:r>
+              <a:rPr lang="en-US" altLang="zh-CN" smtClean="0"/>
+              <a:t>remove(int </a:t>
+            </a:r>
+            <a:r>
               <a:rPr lang="en-US" altLang="zh-CN" dirty="0" smtClean="0"/>
-              <a:t>remove(</a:t>
-            </a:r>
-            <a:r>
-              <a:rPr lang="en-US" altLang="zh-CN" dirty="0" err="1" smtClean="0"/>
-              <a:t>ine</a:t>
-            </a:r>
-            <a:r>
-              <a:rPr lang="en-US" altLang="zh-CN" dirty="0" smtClean="0"/>
-              <a:t> index)</a:t>
+              <a:t>index)</a:t>
             </a:r>
             <a:r>
               <a:rPr lang="zh-CN" altLang="en-US" dirty="0" smtClean="0"/>
@@ -17759,12 +18120,8 @@
           <a:p>
             <a:pPr lvl="1"/>
             <a:r>
-              <a:rPr lang="en-US" altLang="zh-CN" dirty="0" err="1" smtClean="0"/>
-              <a:t>LinkedList</a:t>
-            </a:r>
-            <a:r>
-              <a:rPr lang="en-US" altLang="zh-CN" dirty="0" smtClean="0"/>
-              <a:t>()</a:t>
+              <a:rPr lang="en-US" altLang="zh-CN" dirty="0"/>
+              <a:t>LinkedList(Collection&lt;? extends E&gt; c)</a:t>
             </a:r>
             <a:r>
               <a:rPr lang="zh-CN" altLang="en-US" dirty="0" smtClean="0"/>
@@ -19192,8 +19549,8 @@
         </p:nvSpPr>
         <p:spPr>
           <a:xfrm>
-            <a:off x="3863752" y="1160749"/>
-            <a:ext cx="5976664" cy="4965415"/>
+            <a:off x="609600" y="1160749"/>
+            <a:ext cx="9230816" cy="4965415"/>
           </a:xfrm>
         </p:spPr>
         <p:txBody>
@@ -20662,11 +21019,11 @@
               </a:lnSpc>
             </a:pPr>
             <a:r>
-              <a:rPr lang="zh-CN" altLang="en-US" dirty="0" smtClean="0"/>
-              <a:t>包含继承与</a:t>
-            </a:r>
-            <a:r>
-              <a:rPr lang="en-US" dirty="0" err="1" smtClean="0"/>
+              <a:rPr lang="zh-CN" altLang="en-US" smtClean="0"/>
+              <a:t>包含继承自</a:t>
+            </a:r>
+            <a:r>
+              <a:rPr lang="en-US" smtClean="0"/>
               <a:t>HashSet</a:t>
             </a:r>
             <a:r>
@@ -24564,13 +24921,21 @@
               </a:lnSpc>
             </a:pPr>
             <a:r>
-              <a:rPr lang="en-US" dirty="0" err="1" smtClean="0"/>
-              <a:t>containsKey</a:t>
-            </a:r>
-            <a:r>
               <a:rPr lang="en-US" dirty="0" smtClean="0"/>
-              <a:t>(Object  K)</a:t>
-            </a:r>
+              <a:t>containsKey(Object  K)</a:t>
+            </a:r>
+          </a:p>
+          <a:p>
+            <a:pPr lvl="1">
+              <a:lnSpc>
+                <a:spcPct val="150000"/>
+              </a:lnSpc>
+            </a:pPr>
+            <a:r>
+              <a:rPr lang="en-US" altLang="zh-CN" smtClean="0"/>
+              <a:t>containsValue(Object v)</a:t>
+            </a:r>
+            <a:endParaRPr lang="en-US" dirty="0" smtClean="0"/>
           </a:p>
           <a:p>
             <a:pPr>
@@ -24905,16 +25270,12 @@
               </a:lnSpc>
             </a:pPr>
             <a:r>
+              <a:rPr lang="en-US" altLang="zh-CN" dirty="0" smtClean="0"/>
+              <a:t>b</a:t>
+            </a:r>
+            <a:r>
               <a:rPr lang="en-US" dirty="0" smtClean="0"/>
-              <a:t>Boolean </a:t>
-            </a:r>
-            <a:r>
-              <a:rPr lang="en-US" dirty="0" err="1" smtClean="0"/>
-              <a:t>hasNext</a:t>
-            </a:r>
-            <a:r>
-              <a:rPr lang="en-US" dirty="0" smtClean="0"/>
-              <a:t>():</a:t>
+              <a:t>oolean hasNext():</a:t>
             </a:r>
             <a:r>
               <a:rPr lang="zh-CN" altLang="en-US" dirty="0" smtClean="0"/>
@@ -25004,10 +25365,10 @@
           <a:lstStyle/>
           <a:p>
             <a:r>
-              <a:rPr lang="zh-CN" altLang="en-US" dirty="0"/>
-              <a:t>容器</a:t>
-            </a:r>
-            <a:endParaRPr lang="zh-CN" altLang="en-US" dirty="0"/>
+              <a:rPr lang="zh-CN" altLang="en-US" smtClean="0"/>
+              <a:t>什么是集合</a:t>
+            </a:r>
+            <a:endParaRPr lang="zh-CN" altLang="en-US"/>
           </a:p>
         </p:txBody>
       </p:sp>
@@ -25189,8 +25550,8 @@
         </p:nvSpPr>
         <p:spPr>
           <a:xfrm>
-            <a:off x="1631504" y="1196752"/>
-            <a:ext cx="8229600" cy="5201424"/>
+            <a:off x="767408" y="1016732"/>
+            <a:ext cx="10441160" cy="5201424"/>
           </a:xfrm>
           <a:prstGeom prst="rect">
             <a:avLst/>
@@ -25544,44 +25905,44 @@
               <a:t>		</a:t>
             </a:r>
             <a:r>
-              <a:rPr lang="en-US" altLang="zh-CN" kern="0" dirty="0" err="1">
+              <a:rPr lang="en-US" altLang="zh-CN" kern="0" dirty="0" smtClean="0">
                 <a:solidFill>
                   <a:schemeClr val="tx1"/>
                 </a:solidFill>
                 <a:latin typeface="微软雅黑" pitchFamily="34" charset="-122"/>
                 <a:ea typeface="宋体" pitchFamily="2" charset="-122"/>
               </a:rPr>
-              <a:t>name.add</a:t>
-            </a:r>
-            <a:r>
-              <a:rPr lang="en-US" altLang="zh-CN" kern="0" dirty="0">
-                <a:solidFill>
-                  <a:schemeClr val="tx1"/>
+              <a:t>//name.add(“ww”);</a:t>
+            </a:r>
+            <a:r>
+              <a:rPr lang="en-US" altLang="zh-CN" kern="0" dirty="0" smtClean="0">
+                <a:solidFill>
+                  <a:srgbClr val="FF0000"/>
                 </a:solidFill>
                 <a:latin typeface="微软雅黑" pitchFamily="34" charset="-122"/>
                 <a:ea typeface="宋体" pitchFamily="2" charset="-122"/>
               </a:rPr>
-              <a:t>("</a:t>
-            </a:r>
-            <a:r>
-              <a:rPr lang="en-US" altLang="zh-CN" kern="0" dirty="0" err="1">
-                <a:solidFill>
-                  <a:schemeClr val="tx1"/>
+              <a:t>//</a:t>
+            </a:r>
+            <a:r>
+              <a:rPr lang="zh-CN" altLang="en-US" kern="0" dirty="0" smtClean="0">
+                <a:solidFill>
+                  <a:srgbClr val="FF0000"/>
                 </a:solidFill>
                 <a:latin typeface="微软雅黑" pitchFamily="34" charset="-122"/>
                 <a:ea typeface="宋体" pitchFamily="2" charset="-122"/>
               </a:rPr>
-              <a:t>ww</a:t>
+              <a:t>运行时异常，</a:t>
             </a:r>
             <a:r>
               <a:rPr lang="en-US" altLang="zh-CN" kern="0" dirty="0">
                 <a:solidFill>
-                  <a:schemeClr val="tx1"/>
+                  <a:srgbClr val="FF0000"/>
                 </a:solidFill>
                 <a:latin typeface="微软雅黑" pitchFamily="34" charset="-122"/>
                 <a:ea typeface="宋体" pitchFamily="2" charset="-122"/>
               </a:rPr>
-              <a:t>");</a:t>
+              <a:t>ConcurrentModificationException</a:t>
             </a:r>
           </a:p>
           <a:p>
@@ -28703,7 +29064,7 @@
             </a:r>
             <a:r>
               <a:rPr lang="en-US" altLang="zh-CN" dirty="0" smtClean="0"/>
-              <a:t>string</a:t>
+              <a:t>String</a:t>
             </a:r>
             <a:r>
               <a:rPr lang="zh-CN" altLang="en-US" dirty="0" smtClean="0"/>
@@ -31191,7 +31552,13 @@
             <a:endParaRPr lang="en-US" altLang="zh-CN" dirty="0" smtClean="0"/>
           </a:p>
           <a:p>
-            <a:pPr lvl="1"/>
+            <a:pPr marL="457200" lvl="1" indent="0">
+              <a:buNone/>
+            </a:pPr>
+            <a:r>
+              <a:rPr lang="en-US" altLang="zh-CN" dirty="0" smtClean="0"/>
+              <a:t>	    </a:t>
+            </a:r>
             <a:r>
               <a:rPr lang="zh-CN" altLang="en-US" dirty="0" smtClean="0"/>
               <a:t>装箱和折箱操作，但将用到数</a:t>
@@ -31199,10 +31566,30 @@
             <a:endParaRPr lang="en-US" altLang="zh-CN" dirty="0" smtClean="0"/>
           </a:p>
           <a:p>
-            <a:pPr lvl="1"/>
+            <a:pPr marL="457200" lvl="1" indent="0">
+              <a:buNone/>
+            </a:pPr>
             <a:r>
               <a:rPr lang="zh-CN" altLang="en-US" dirty="0" smtClean="0"/>
-              <a:t>据类型的强制转换操作，增加处理器的负担</a:t>
+              <a:t>    据类型的强制转换操作，增加</a:t>
+            </a:r>
+            <a:endParaRPr lang="en-US" altLang="zh-CN" dirty="0" smtClean="0"/>
+          </a:p>
+          <a:p>
+            <a:pPr marL="457200" lvl="1" indent="0">
+              <a:buNone/>
+            </a:pPr>
+            <a:r>
+              <a:rPr lang="en-US" altLang="zh-CN" dirty="0"/>
+              <a:t> </a:t>
+            </a:r>
+            <a:r>
+              <a:rPr lang="en-US" altLang="zh-CN" dirty="0" smtClean="0"/>
+              <a:t>   </a:t>
+            </a:r>
+            <a:r>
+              <a:rPr lang="zh-CN" altLang="en-US" dirty="0" smtClean="0"/>
+              <a:t>处理器的负担</a:t>
             </a:r>
             <a:endParaRPr lang="en-US" altLang="zh-CN" dirty="0" smtClean="0"/>
           </a:p>
@@ -32354,33 +32741,15 @@
                                   </p:childTnLst>
                                 </p:cTn>
                               </p:par>
-                            </p:childTnLst>
-                          </p:cTn>
-                        </p:par>
-                      </p:childTnLst>
-                    </p:cTn>
-                  </p:par>
-                  <p:par>
-                    <p:cTn id="50" fill="hold">
-                      <p:stCondLst>
-                        <p:cond delay="indefinite"/>
-                      </p:stCondLst>
-                      <p:childTnLst>
-                        <p:par>
-                          <p:cTn id="51" fill="hold">
-                            <p:stCondLst>
-                              <p:cond delay="0"/>
-                            </p:stCondLst>
-                            <p:childTnLst>
                               <p:par>
-                                <p:cTn id="52" presetID="2" presetClass="entr" presetSubtype="4" fill="hold" nodeType="clickEffect">
+                                <p:cTn id="50" presetID="2" presetClass="entr" presetSubtype="4" fill="hold" nodeType="withEffect">
                                   <p:stCondLst>
                                     <p:cond delay="0"/>
                                   </p:stCondLst>
                                   <p:childTnLst>
                                     <p:set>
                                       <p:cBhvr>
-                                        <p:cTn id="53" dur="1" fill="hold">
+                                        <p:cTn id="51" dur="1" fill="hold">
                                           <p:stCondLst>
                                             <p:cond delay="0"/>
                                           </p:stCondLst>
@@ -32402,7 +32771,7 @@
                                     </p:set>
                                     <p:anim calcmode="lin" valueType="num">
                                       <p:cBhvr additive="base">
-                                        <p:cTn id="54" dur="500" fill="hold"/>
+                                        <p:cTn id="52" dur="500" fill="hold"/>
                                         <p:tgtEl>
                                           <p:spTgt spid="3">
                                             <p:txEl>
@@ -32429,7 +32798,7 @@
                                     </p:anim>
                                     <p:anim calcmode="lin" valueType="num">
                                       <p:cBhvr additive="base">
-                                        <p:cTn id="55" dur="500" fill="hold"/>
+                                        <p:cTn id="53" dur="500" fill="hold"/>
                                         <p:tgtEl>
                                           <p:spTgt spid="3">
                                             <p:txEl>
@@ -32460,56 +32829,30 @@
                             </p:childTnLst>
                           </p:cTn>
                         </p:par>
+                      </p:childTnLst>
+                    </p:cTn>
+                  </p:par>
+                  <p:par>
+                    <p:cTn id="54" fill="hold">
+                      <p:stCondLst>
+                        <p:cond delay="indefinite"/>
+                      </p:stCondLst>
+                      <p:childTnLst>
                         <p:par>
-                          <p:cTn id="56" fill="hold">
+                          <p:cTn id="55" fill="hold">
                             <p:stCondLst>
-                              <p:cond delay="500"/>
+                              <p:cond delay="0"/>
                             </p:stCondLst>
                             <p:childTnLst>
                               <p:par>
-                                <p:cTn id="57" presetID="4" presetClass="entr" presetSubtype="16" fill="hold" grpId="0" nodeType="afterEffect">
+                                <p:cTn id="56" presetID="2" presetClass="entr" presetSubtype="4" fill="hold" nodeType="clickEffect">
                                   <p:stCondLst>
                                     <p:cond delay="0"/>
                                   </p:stCondLst>
                                   <p:childTnLst>
                                     <p:set>
                                       <p:cBhvr>
-                                        <p:cTn id="58" dur="1" fill="hold">
-                                          <p:stCondLst>
-                                            <p:cond delay="0"/>
-                                          </p:stCondLst>
-                                        </p:cTn>
-                                        <p:tgtEl>
-                                          <p:spTgt spid="7"/>
-                                        </p:tgtEl>
-                                        <p:attrNameLst>
-                                          <p:attrName>style.visibility</p:attrName>
-                                        </p:attrNameLst>
-                                      </p:cBhvr>
-                                      <p:to>
-                                        <p:strVal val="visible"/>
-                                      </p:to>
-                                    </p:set>
-                                    <p:animEffect transition="in" filter="box(in)">
-                                      <p:cBhvr>
-                                        <p:cTn id="59" dur="500"/>
-                                        <p:tgtEl>
-                                          <p:spTgt spid="7"/>
-                                        </p:tgtEl>
-                                      </p:cBhvr>
-                                    </p:animEffect>
-                                  </p:childTnLst>
-                                </p:cTn>
-                              </p:par>
-                              <p:par>
-                                <p:cTn id="60" presetID="2" presetClass="entr" presetSubtype="4" fill="hold" nodeType="withEffect">
-                                  <p:stCondLst>
-                                    <p:cond delay="0"/>
-                                  </p:stCondLst>
-                                  <p:childTnLst>
-                                    <p:set>
-                                      <p:cBhvr>
-                                        <p:cTn id="61" dur="1" fill="hold">
+                                        <p:cTn id="57" dur="1" fill="hold">
                                           <p:stCondLst>
                                             <p:cond delay="0"/>
                                           </p:stCondLst>
@@ -32531,7 +32874,7 @@
                                     </p:set>
                                     <p:anim calcmode="lin" valueType="num">
                                       <p:cBhvr additive="base">
-                                        <p:cTn id="62" dur="500" fill="hold"/>
+                                        <p:cTn id="58" dur="500" fill="hold"/>
                                         <p:tgtEl>
                                           <p:spTgt spid="3">
                                             <p:txEl>
@@ -32558,7 +32901,7 @@
                                     </p:anim>
                                     <p:anim calcmode="lin" valueType="num">
                                       <p:cBhvr additive="base">
-                                        <p:cTn id="63" dur="500" fill="hold"/>
+                                        <p:cTn id="59" dur="500" fill="hold"/>
                                         <p:tgtEl>
                                           <p:spTgt spid="3">
                                             <p:txEl>
@@ -32583,6 +32926,50 @@
                                         </p:tav>
                                       </p:tavLst>
                                     </p:anim>
+                                  </p:childTnLst>
+                                </p:cTn>
+                              </p:par>
+                            </p:childTnLst>
+                          </p:cTn>
+                        </p:par>
+                        <p:par>
+                          <p:cTn id="60" fill="hold">
+                            <p:stCondLst>
+                              <p:cond delay="500"/>
+                            </p:stCondLst>
+                            <p:childTnLst>
+                              <p:par>
+                                <p:cTn id="61" presetID="4" presetClass="entr" presetSubtype="16" fill="hold" grpId="0" nodeType="afterEffect">
+                                  <p:stCondLst>
+                                    <p:cond delay="0"/>
+                                  </p:stCondLst>
+                                  <p:childTnLst>
+                                    <p:set>
+                                      <p:cBhvr>
+                                        <p:cTn id="62" dur="1" fill="hold">
+                                          <p:stCondLst>
+                                            <p:cond delay="0"/>
+                                          </p:stCondLst>
+                                        </p:cTn>
+                                        <p:tgtEl>
+                                          <p:spTgt spid="7"/>
+                                        </p:tgtEl>
+                                        <p:attrNameLst>
+                                          <p:attrName>style.visibility</p:attrName>
+                                        </p:attrNameLst>
+                                      </p:cBhvr>
+                                      <p:to>
+                                        <p:strVal val="visible"/>
+                                      </p:to>
+                                    </p:set>
+                                    <p:animEffect transition="in" filter="box(in)">
+                                      <p:cBhvr>
+                                        <p:cTn id="63" dur="500"/>
+                                        <p:tgtEl>
+                                          <p:spTgt spid="7"/>
+                                        </p:tgtEl>
+                                      </p:cBhvr>
+                                    </p:animEffect>
                                   </p:childTnLst>
                                 </p:cTn>
                               </p:par>
@@ -32648,6 +33035,91 @@
                                           <p:spTgt spid="3">
                                             <p:txEl>
                                               <p:pRg st="11" end="11"/>
+                                            </p:txEl>
+                                          </p:spTgt>
+                                        </p:tgtEl>
+                                        <p:attrNameLst>
+                                          <p:attrName>ppt_y</p:attrName>
+                                        </p:attrNameLst>
+                                      </p:cBhvr>
+                                      <p:tavLst>
+                                        <p:tav tm="0">
+                                          <p:val>
+                                            <p:strVal val="1+#ppt_h/2"/>
+                                          </p:val>
+                                        </p:tav>
+                                        <p:tav tm="100000">
+                                          <p:val>
+                                            <p:strVal val="#ppt_y"/>
+                                          </p:val>
+                                        </p:tav>
+                                      </p:tavLst>
+                                    </p:anim>
+                                  </p:childTnLst>
+                                </p:cTn>
+                              </p:par>
+                              <p:par>
+                                <p:cTn id="68" presetID="2" presetClass="entr" presetSubtype="4" fill="hold" nodeType="withEffect">
+                                  <p:stCondLst>
+                                    <p:cond delay="0"/>
+                                  </p:stCondLst>
+                                  <p:childTnLst>
+                                    <p:set>
+                                      <p:cBhvr>
+                                        <p:cTn id="69" dur="1" fill="hold">
+                                          <p:stCondLst>
+                                            <p:cond delay="0"/>
+                                          </p:stCondLst>
+                                        </p:cTn>
+                                        <p:tgtEl>
+                                          <p:spTgt spid="3">
+                                            <p:txEl>
+                                              <p:pRg st="12" end="12"/>
+                                            </p:txEl>
+                                          </p:spTgt>
+                                        </p:tgtEl>
+                                        <p:attrNameLst>
+                                          <p:attrName>style.visibility</p:attrName>
+                                        </p:attrNameLst>
+                                      </p:cBhvr>
+                                      <p:to>
+                                        <p:strVal val="visible"/>
+                                      </p:to>
+                                    </p:set>
+                                    <p:anim calcmode="lin" valueType="num">
+                                      <p:cBhvr additive="base">
+                                        <p:cTn id="70" dur="500" fill="hold"/>
+                                        <p:tgtEl>
+                                          <p:spTgt spid="3">
+                                            <p:txEl>
+                                              <p:pRg st="12" end="12"/>
+                                            </p:txEl>
+                                          </p:spTgt>
+                                        </p:tgtEl>
+                                        <p:attrNameLst>
+                                          <p:attrName>ppt_x</p:attrName>
+                                        </p:attrNameLst>
+                                      </p:cBhvr>
+                                      <p:tavLst>
+                                        <p:tav tm="0">
+                                          <p:val>
+                                            <p:strVal val="#ppt_x"/>
+                                          </p:val>
+                                        </p:tav>
+                                        <p:tav tm="100000">
+                                          <p:val>
+                                            <p:strVal val="#ppt_x"/>
+                                          </p:val>
+                                        </p:tav>
+                                      </p:tavLst>
+                                    </p:anim>
+                                    <p:anim calcmode="lin" valueType="num">
+                                      <p:cBhvr additive="base">
+                                        <p:cTn id="71" dur="500" fill="hold"/>
+                                        <p:tgtEl>
+                                          <p:spTgt spid="3">
+                                            <p:txEl>
+                                              <p:pRg st="12" end="12"/>
                                             </p:txEl>
                                           </p:spTgt>
                                         </p:tgtEl>
@@ -32800,7 +33272,7 @@
             </a:r>
             <a:r>
               <a:rPr lang="en-US" altLang="zh-CN" dirty="0" smtClean="0"/>
-              <a:t>object</a:t>
+              <a:t>Object</a:t>
             </a:r>
             <a:r>
               <a:rPr lang="zh-CN" altLang="en-US" dirty="0" smtClean="0"/>
@@ -32840,7 +33312,7 @@
         </p:nvSpPr>
         <p:spPr bwMode="auto">
           <a:xfrm>
-            <a:off x="3770468" y="3933056"/>
+            <a:off x="3770468" y="3861048"/>
             <a:ext cx="4917819" cy="3066733"/>
           </a:xfrm>
           <a:prstGeom prst="rect">
@@ -36577,7 +37049,7 @@
         </p:nvGrpSpPr>
         <p:grpSpPr bwMode="auto">
           <a:xfrm>
-            <a:off x="6672064" y="2368217"/>
+            <a:off x="6672064" y="1819154"/>
             <a:ext cx="471670" cy="412711"/>
             <a:chOff x="0" y="0"/>
             <a:chExt cx="384" cy="336"/>
@@ -42391,7 +42863,7 @@
                         <a:tabLst/>
                       </a:pPr>
                       <a:r>
-                        <a:rPr kumimoji="0" lang="en-US" sz="2000" b="0" i="0" u="none" strike="noStrike" cap="none" normalizeH="0" baseline="0" smtClean="0">
+                        <a:rPr kumimoji="0" lang="en-US" sz="2000" b="0" i="0" u="none" strike="noStrike" cap="none" normalizeH="0" baseline="0" dirty="0" smtClean="0">
                           <a:ln>
                             <a:noFill/>
                           </a:ln>
